--- a/ppt/thesis1.pptx
+++ b/ppt/thesis1.pptx
@@ -214,7 +214,7 @@
           <a:p>
             <a:fld id="{74C8509F-702D-43BB-A334-E1A7051D886F}" type="datetimeFigureOut">
               <a:rPr lang="zh-CN" altLang="en-US" smtClean="0"/>
-              <a:t>2019/3/8</a:t>
+              <a:t>2019/3/11</a:t>
             </a:fld>
             <a:endParaRPr lang="zh-CN" altLang="en-US"/>
           </a:p>
@@ -618,7 +618,7 @@
           <a:p>
             <a:fld id="{0EB08534-60AB-46A8-A955-9948CF1BAD0E}" type="datetimeFigureOut">
               <a:rPr lang="zh-CN" altLang="en-US" smtClean="0"/>
-              <a:t>2019/3/8</a:t>
+              <a:t>2019/3/11</a:t>
             </a:fld>
             <a:endParaRPr lang="zh-CN" altLang="en-US"/>
           </a:p>
@@ -820,7 +820,7 @@
           <a:p>
             <a:fld id="{0EB08534-60AB-46A8-A955-9948CF1BAD0E}" type="datetimeFigureOut">
               <a:rPr lang="zh-CN" altLang="en-US" smtClean="0"/>
-              <a:t>2019/3/8</a:t>
+              <a:t>2019/3/11</a:t>
             </a:fld>
             <a:endParaRPr lang="zh-CN" altLang="en-US"/>
           </a:p>
@@ -1022,7 +1022,7 @@
           <a:p>
             <a:fld id="{0EB08534-60AB-46A8-A955-9948CF1BAD0E}" type="datetimeFigureOut">
               <a:rPr lang="zh-CN" altLang="en-US" smtClean="0"/>
-              <a:t>2019/3/8</a:t>
+              <a:t>2019/3/11</a:t>
             </a:fld>
             <a:endParaRPr lang="zh-CN" altLang="en-US"/>
           </a:p>
@@ -1370,7 +1370,7 @@
           <a:p>
             <a:fld id="{0EB08534-60AB-46A8-A955-9948CF1BAD0E}" type="datetimeFigureOut">
               <a:rPr lang="zh-CN" altLang="en-US" smtClean="0"/>
-              <a:t>2019/3/8</a:t>
+              <a:t>2019/3/11</a:t>
             </a:fld>
             <a:endParaRPr lang="zh-CN" altLang="en-US"/>
           </a:p>
@@ -1638,7 +1638,7 @@
           <a:p>
             <a:fld id="{0EB08534-60AB-46A8-A955-9948CF1BAD0E}" type="datetimeFigureOut">
               <a:rPr lang="zh-CN" altLang="en-US" smtClean="0"/>
-              <a:t>2019/3/8</a:t>
+              <a:t>2019/3/11</a:t>
             </a:fld>
             <a:endParaRPr lang="zh-CN" altLang="en-US"/>
           </a:p>
@@ -1897,7 +1897,7 @@
           <a:p>
             <a:fld id="{0EB08534-60AB-46A8-A955-9948CF1BAD0E}" type="datetimeFigureOut">
               <a:rPr lang="zh-CN" altLang="en-US" smtClean="0"/>
-              <a:t>2019/3/8</a:t>
+              <a:t>2019/3/11</a:t>
             </a:fld>
             <a:endParaRPr lang="zh-CN" altLang="en-US"/>
           </a:p>
@@ -2286,7 +2286,7 @@
           <a:p>
             <a:fld id="{0EB08534-60AB-46A8-A955-9948CF1BAD0E}" type="datetimeFigureOut">
               <a:rPr lang="zh-CN" altLang="en-US" smtClean="0"/>
-              <a:t>2019/3/8</a:t>
+              <a:t>2019/3/11</a:t>
             </a:fld>
             <a:endParaRPr lang="zh-CN" altLang="en-US"/>
           </a:p>
@@ -2431,7 +2431,7 @@
           <a:p>
             <a:fld id="{0EB08534-60AB-46A8-A955-9948CF1BAD0E}" type="datetimeFigureOut">
               <a:rPr lang="zh-CN" altLang="en-US" smtClean="0"/>
-              <a:t>2019/3/8</a:t>
+              <a:t>2019/3/11</a:t>
             </a:fld>
             <a:endParaRPr lang="zh-CN" altLang="en-US"/>
           </a:p>
@@ -2548,7 +2548,7 @@
           <a:p>
             <a:fld id="{0EB08534-60AB-46A8-A955-9948CF1BAD0E}" type="datetimeFigureOut">
               <a:rPr lang="zh-CN" altLang="en-US" smtClean="0"/>
-              <a:t>2019/3/8</a:t>
+              <a:t>2019/3/11</a:t>
             </a:fld>
             <a:endParaRPr lang="zh-CN" altLang="en-US"/>
           </a:p>
@@ -2991,7 +2991,7 @@
           <a:p>
             <a:fld id="{0EB08534-60AB-46A8-A955-9948CF1BAD0E}" type="datetimeFigureOut">
               <a:rPr lang="zh-CN" altLang="en-US" smtClean="0"/>
-              <a:t>2019/3/8</a:t>
+              <a:t>2019/3/11</a:t>
             </a:fld>
             <a:endParaRPr lang="zh-CN" altLang="en-US"/>
           </a:p>
@@ -3266,7 +3266,7 @@
           <a:p>
             <a:fld id="{0EB08534-60AB-46A8-A955-9948CF1BAD0E}" type="datetimeFigureOut">
               <a:rPr lang="zh-CN" altLang="en-US" smtClean="0"/>
-              <a:t>2019/3/8</a:t>
+              <a:t>2019/3/11</a:t>
             </a:fld>
             <a:endParaRPr lang="zh-CN" altLang="en-US"/>
           </a:p>
@@ -4623,10 +4623,6 @@
                 </a:rPr>
                 <a:t>https://kagu82104.github.io/thesissystem/</a:t>
               </a:r>
-              <a:endParaRPr lang="en-US" altLang="zh-CN" sz="1400" dirty="0">
-                <a:latin typeface="站酷快乐体2016修订版" panose="02010600030101010101" charset="-122"/>
-                <a:ea typeface="站酷快乐体2016修订版" panose="02010600030101010101" charset="-122"/>
-              </a:endParaRPr>
             </a:p>
           </p:txBody>
         </p:sp>
@@ -4760,14 +4756,14 @@
           <a:p>
             <a:pPr algn="dist"/>
             <a:r>
-              <a:rPr lang="zh-TW" altLang="en-US" sz="6600" dirty="0">
+              <a:rPr lang="zh-TW" altLang="en-US" sz="6600" dirty="0" smtClean="0">
                 <a:latin typeface="微軟正黑體" panose="020B0604030504040204" pitchFamily="34" charset="-120"/>
                 <a:ea typeface="微軟正黑體" panose="020B0604030504040204" pitchFamily="34" charset="-120"/>
               </a:rPr>
-              <a:t>解析與網頁版</a:t>
+              <a:t>解析</a:t>
             </a:r>
             <a:r>
-              <a:rPr lang="en-US" altLang="zh-TW" sz="6600" dirty="0">
+              <a:rPr lang="en-US" altLang="zh-TW" sz="6600" dirty="0" smtClean="0">
                 <a:latin typeface="微軟正黑體" panose="020B0604030504040204" pitchFamily="34" charset="-120"/>
                 <a:ea typeface="微軟正黑體" panose="020B0604030504040204" pitchFamily="34" charset="-120"/>
               </a:rPr>
@@ -5979,7 +5975,7 @@
         <p:spPr>
           <a:xfrm>
             <a:off x="6326579" y="2717776"/>
-            <a:ext cx="4739708" cy="1200329"/>
+            <a:ext cx="4739708" cy="1569660"/>
           </a:xfrm>
           <a:prstGeom prst="rect">
             <a:avLst/>
@@ -6010,7 +6006,14 @@
                 <a:latin typeface="微軟正黑體" panose="020B0604030504040204" pitchFamily="34" charset="-120"/>
                 <a:ea typeface="微軟正黑體" panose="020B0604030504040204" pitchFamily="34" charset="-120"/>
               </a:rPr>
-              <a:t>快速且準確的原因，並將其移植到網頁中</a:t>
+              <a:t>快速且準確的原因，並將其移植到網頁</a:t>
+            </a:r>
+            <a:r>
+              <a:rPr lang="zh-TW" altLang="en-US" sz="2400" dirty="0" smtClean="0">
+                <a:latin typeface="微軟正黑體" panose="020B0604030504040204" pitchFamily="34" charset="-120"/>
+                <a:ea typeface="微軟正黑體" panose="020B0604030504040204" pitchFamily="34" charset="-120"/>
+              </a:rPr>
+              <a:t>中，以簡單易懂的方式讓其他人了解其運作的方式。</a:t>
             </a:r>
             <a:endParaRPr lang="zh-TW" altLang="en-US" sz="2400" dirty="0">
               <a:latin typeface="微軟正黑體" panose="020B0604030504040204" pitchFamily="34" charset="-120"/>
@@ -9549,6 +9552,40 @@
               </a:rPr>
               <a:t>YOLO</a:t>
             </a:r>
+            <a:r>
+              <a:rPr lang="zh-TW" altLang="en-US" sz="2800" b="1" dirty="0" smtClean="0">
+                <a:ln>
+                  <a:noFill/>
+                </a:ln>
+                <a:solidFill>
+                  <a:schemeClr val="tx1">
+                    <a:lumMod val="65000"/>
+                    <a:lumOff val="35000"/>
+                  </a:schemeClr>
+                </a:solidFill>
+                <a:latin typeface="站酷快乐体2016修订版" panose="02010600030101010101" charset="-122"/>
+                <a:ea typeface="站酷快乐体2016修订版" panose="02010600030101010101" charset="-122"/>
+                <a:sym typeface="+mn-ea"/>
+              </a:rPr>
+              <a:t> </a:t>
+            </a:r>
+            <a:r>
+              <a:rPr lang="en-US" altLang="zh-TW" sz="2800" b="1" dirty="0" smtClean="0">
+                <a:ln>
+                  <a:noFill/>
+                </a:ln>
+                <a:solidFill>
+                  <a:schemeClr val="tx1">
+                    <a:lumMod val="65000"/>
+                    <a:lumOff val="35000"/>
+                  </a:schemeClr>
+                </a:solidFill>
+                <a:latin typeface="站酷快乐体2016修订版" panose="02010600030101010101" charset="-122"/>
+                <a:ea typeface="站酷快乐体2016修订版" panose="02010600030101010101" charset="-122"/>
+                <a:sym typeface="+mn-ea"/>
+              </a:rPr>
+              <a:t>V1</a:t>
+            </a:r>
             <a:endParaRPr kumimoji="0" lang="zh-CN" altLang="en-US" sz="2800" b="1" u="none" strike="noStrike" kern="1200" cap="none" spc="0" normalizeH="0" baseline="0" noProof="0" dirty="0">
               <a:ln>
                 <a:noFill/>
@@ -9678,7 +9715,7 @@
               <a:defRPr/>
             </a:pPr>
             <a:r>
-              <a:rPr lang="zh-CN" altLang="en-US" sz="1600" dirty="0">
+              <a:rPr lang="zh-TW" altLang="en-US" sz="2400" dirty="0" smtClean="0">
                 <a:ln>
                   <a:noFill/>
                 </a:ln>
@@ -9688,25 +9725,86 @@
                     <a:lumOff val="35000"/>
                   </a:schemeClr>
                 </a:solidFill>
-                <a:latin typeface="站酷快乐体2016修订版" panose="02010600030101010101" charset="-122"/>
-                <a:ea typeface="站酷快乐体2016修订版" panose="02010600030101010101" charset="-122"/>
+                <a:latin typeface="微軟正黑體" panose="020B0604030504040204" pitchFamily="34" charset="-120"/>
+                <a:ea typeface="微軟正黑體" panose="020B0604030504040204" pitchFamily="34" charset="-120"/>
                 <a:cs typeface="+mn-ea"/>
                 <a:sym typeface="Arial" panose="020B0604020202020204" pitchFamily="34" charset="0"/>
               </a:rPr>
-              <a:t>请替换文字内容，点击添加相关标题文字，修改文字内容，也可以直接复制你的内容到此。请替换文字内容，点击添加相关标题文字修改文字内容，也可以直接复制你的内容到此</a:t>
+              <a:t>目前</a:t>
             </a:r>
-          </a:p>
-          <a:p>
-            <a:pPr algn="l" defTabSz="323215">
-              <a:lnSpc>
-                <a:spcPct val="200000"/>
-              </a:lnSpc>
-              <a:spcBef>
-                <a:spcPts val="850"/>
-              </a:spcBef>
-              <a:defRPr/>
-            </a:pPr>
-            <a:endParaRPr lang="zh-CN" altLang="en-US" sz="1600" dirty="0">
+            <a:r>
+              <a:rPr lang="en-US" altLang="zh-TW" sz="2400" dirty="0" smtClean="0">
+                <a:ln>
+                  <a:noFill/>
+                </a:ln>
+                <a:solidFill>
+                  <a:schemeClr val="tx1">
+                    <a:lumMod val="65000"/>
+                    <a:lumOff val="35000"/>
+                  </a:schemeClr>
+                </a:solidFill>
+                <a:latin typeface="微軟正黑體" panose="020B0604030504040204" pitchFamily="34" charset="-120"/>
+                <a:ea typeface="微軟正黑體" panose="020B0604030504040204" pitchFamily="34" charset="-120"/>
+                <a:cs typeface="+mn-ea"/>
+                <a:sym typeface="Arial" panose="020B0604020202020204" pitchFamily="34" charset="0"/>
+              </a:rPr>
+              <a:t>YOLO</a:t>
+            </a:r>
+            <a:r>
+              <a:rPr lang="zh-TW" altLang="en-US" sz="2400" dirty="0" smtClean="0">
+                <a:ln>
+                  <a:noFill/>
+                </a:ln>
+                <a:solidFill>
+                  <a:schemeClr val="tx1">
+                    <a:lumMod val="65000"/>
+                    <a:lumOff val="35000"/>
+                  </a:schemeClr>
+                </a:solidFill>
+                <a:latin typeface="微軟正黑體" panose="020B0604030504040204" pitchFamily="34" charset="-120"/>
+                <a:ea typeface="微軟正黑體" panose="020B0604030504040204" pitchFamily="34" charset="-120"/>
+                <a:cs typeface="+mn-ea"/>
+                <a:sym typeface="Arial" panose="020B0604020202020204" pitchFamily="34" charset="0"/>
+              </a:rPr>
+              <a:t>共有</a:t>
+            </a:r>
+            <a:r>
+              <a:rPr lang="en-US" altLang="zh-TW" sz="2400" dirty="0" smtClean="0">
+                <a:ln>
+                  <a:noFill/>
+                </a:ln>
+                <a:solidFill>
+                  <a:schemeClr val="tx1">
+                    <a:lumMod val="65000"/>
+                    <a:lumOff val="35000"/>
+                  </a:schemeClr>
+                </a:solidFill>
+                <a:latin typeface="微軟正黑體" panose="020B0604030504040204" pitchFamily="34" charset="-120"/>
+                <a:ea typeface="微軟正黑體" panose="020B0604030504040204" pitchFamily="34" charset="-120"/>
+                <a:cs typeface="+mn-ea"/>
+                <a:sym typeface="Arial" panose="020B0604020202020204" pitchFamily="34" charset="0"/>
+              </a:rPr>
+              <a:t>3</a:t>
+            </a:r>
+            <a:r>
+              <a:rPr lang="zh-TW" altLang="en-US" sz="2400" smtClean="0">
+                <a:ln>
+                  <a:noFill/>
+                </a:ln>
+                <a:solidFill>
+                  <a:schemeClr val="tx1">
+                    <a:lumMod val="65000"/>
+                    <a:lumOff val="35000"/>
+                  </a:schemeClr>
+                </a:solidFill>
+                <a:latin typeface="微軟正黑體" panose="020B0604030504040204" pitchFamily="34" charset="-120"/>
+                <a:ea typeface="微軟正黑體" panose="020B0604030504040204" pitchFamily="34" charset="-120"/>
+                <a:cs typeface="+mn-ea"/>
+                <a:sym typeface="Arial" panose="020B0604020202020204" pitchFamily="34" charset="0"/>
+              </a:rPr>
+              <a:t>個版本，</a:t>
+            </a:r>
+            <a:endParaRPr lang="zh-CN" altLang="en-US" sz="2400" dirty="0">
               <a:ln>
                 <a:noFill/>
               </a:ln>
@@ -9716,8 +9814,8 @@
                   <a:lumOff val="35000"/>
                 </a:schemeClr>
               </a:solidFill>
-              <a:latin typeface="站酷快乐体2016修订版" panose="02010600030101010101" charset="-122"/>
-              <a:ea typeface="站酷快乐体2016修订版" panose="02010600030101010101" charset="-122"/>
+              <a:latin typeface="微軟正黑體" panose="020B0604030504040204" pitchFamily="34" charset="-120"/>
+              <a:ea typeface="微軟正黑體" panose="020B0604030504040204" pitchFamily="34" charset="-120"/>
               <a:cs typeface="+mn-ea"/>
               <a:sym typeface="Arial" panose="020B0604020202020204" pitchFamily="34" charset="0"/>
             </a:endParaRPr>
@@ -9779,17 +9877,6 @@
               </a:rPr>
               <a:t>的網路結構</a:t>
             </a:r>
-            <a:endParaRPr lang="zh-CN" altLang="en-US" sz="1400" dirty="0">
-              <a:solidFill>
-                <a:schemeClr val="tx1">
-                  <a:lumMod val="50000"/>
-                  <a:lumOff val="50000"/>
-                </a:schemeClr>
-              </a:solidFill>
-              <a:latin typeface="站酷快乐体2016修订版" panose="02010600030101010101" charset="-122"/>
-              <a:ea typeface="站酷快乐体2016修订版" panose="02010600030101010101" charset="-122"/>
-              <a:sym typeface="+mn-ea"/>
-            </a:endParaRPr>
           </a:p>
         </p:txBody>
       </p:sp>
@@ -16764,10 +16851,6 @@
                 </a:rPr>
                 <a:t>https://kagu82104.github.io/thesissystem/</a:t>
               </a:r>
-              <a:endParaRPr lang="en-US" altLang="zh-CN" sz="1400" dirty="0">
-                <a:latin typeface="站酷快乐体2016修订版" panose="02010600030101010101" charset="-122"/>
-                <a:ea typeface="站酷快乐体2016修订版" panose="02010600030101010101" charset="-122"/>
-              </a:endParaRPr>
             </a:p>
           </p:txBody>
         </p:sp>
@@ -25982,10 +26065,6 @@
               </a:rPr>
               <a:t>現今人工智慧可以模仿人類做到許多相似的事情，甚至能夠做得更好。</a:t>
             </a:r>
-            <a:endParaRPr lang="zh-TW" altLang="en-US" sz="2400" dirty="0">
-              <a:latin typeface="微軟正黑體" panose="020B0604030504040204" pitchFamily="34" charset="-120"/>
-              <a:ea typeface="微軟正黑體" panose="020B0604030504040204" pitchFamily="34" charset="-120"/>
-            </a:endParaRPr>
           </a:p>
         </p:txBody>
       </p:sp>
@@ -26372,10 +26451,6 @@
               </a:rPr>
               <a:t>能夠收集到想要的資訊。</a:t>
             </a:r>
-            <a:endParaRPr lang="zh-TW" altLang="en-US" sz="2400" dirty="0">
-              <a:latin typeface="微軟正黑體" panose="020B0604030504040204" pitchFamily="34" charset="-120"/>
-              <a:ea typeface="微軟正黑體" panose="020B0604030504040204" pitchFamily="34" charset="-120"/>
-            </a:endParaRPr>
           </a:p>
         </p:txBody>
       </p:sp>
